--- a/HW_3_Programming_Set/HW_3_Porgramming/HW_3_How_To.pptx
+++ b/HW_3_Programming_Set/HW_3_Porgramming/HW_3_How_To.pptx
@@ -5,13 +5,14 @@
     <p:sldMasterId id="2147483648" r:id="rId1"/>
   </p:sldMasterIdLst>
   <p:notesMasterIdLst>
-    <p:notesMasterId r:id="rId6"/>
+    <p:notesMasterId r:id="rId7"/>
   </p:notesMasterIdLst>
   <p:sldIdLst>
     <p:sldId id="346" r:id="rId2"/>
-    <p:sldId id="340" r:id="rId3"/>
-    <p:sldId id="347" r:id="rId4"/>
-    <p:sldId id="348" r:id="rId5"/>
+    <p:sldId id="349" r:id="rId3"/>
+    <p:sldId id="340" r:id="rId4"/>
+    <p:sldId id="347" r:id="rId5"/>
+    <p:sldId id="348" r:id="rId6"/>
   </p:sldIdLst>
   <p:sldSz cx="12192000" cy="6858000"/>
   <p:notesSz cx="6858000" cy="9144000"/>
@@ -212,7 +213,7 @@
           <a:p>
             <a:fld id="{C7A000EA-C57E-F640-BE40-9E4845CF53EF}" type="datetimeFigureOut">
               <a:rPr lang="en-US" smtClean="0"/>
-              <a:t>11/1/2020</a:t>
+              <a:t>10/28/2021</a:t>
             </a:fld>
             <a:endParaRPr lang="en-US"/>
           </a:p>
@@ -500,6 +501,36 @@
     <p:extLst>
       <p:ext uri="{BB962C8B-B14F-4D97-AF65-F5344CB8AC3E}">
         <p14:creationId xmlns:p14="http://schemas.microsoft.com/office/powerpoint/2010/main" val="3103371960"/>
+      </p:ext>
+    </p:extLst>
+  </p:cSld>
+  <p:clrMapOvr>
+    <a:masterClrMapping/>
+  </p:clrMapOvr>
+</p:notes>
+</file>
+
+<file path=ppt/notesSlides/notesSlide2.xml><?xml version="1.0" encoding="utf-8"?>
+<p:notes xmlns:a="http://schemas.openxmlformats.org/drawingml/2006/main" xmlns:r="http://schemas.openxmlformats.org/officeDocument/2006/relationships" xmlns:p="http://schemas.openxmlformats.org/presentationml/2006/main">
+  <p:cSld>
+    <p:spTree>
+      <p:nvGrpSpPr>
+        <p:cNvPr id="1" name=""/>
+        <p:cNvGrpSpPr/>
+        <p:nvPr/>
+      </p:nvGrpSpPr>
+      <p:grpSpPr>
+        <a:xfrm>
+          <a:off x="0" y="0"/>
+          <a:ext cx="0" cy="0"/>
+          <a:chOff x="0" y="0"/>
+          <a:chExt cx="0" cy="0"/>
+        </a:xfrm>
+      </p:grpSpPr>
+    </p:spTree>
+    <p:extLst>
+      <p:ext uri="{BB962C8B-B14F-4D97-AF65-F5344CB8AC3E}">
+        <p14:creationId xmlns:p14="http://schemas.microsoft.com/office/powerpoint/2010/main" val="1918489520"/>
       </p:ext>
     </p:extLst>
   </p:cSld>
@@ -1940,6 +1971,201 @@
           <a:chExt cx="0" cy="0"/>
         </a:xfrm>
       </p:grpSpPr>
+      <p:pic>
+        <p:nvPicPr>
+          <p:cNvPr id="1028" name="Picture 4" descr="What is sentiment Analysis? How to Hold Social Media Sentiment Analysis">
+            <a:extLst>
+              <a:ext uri="{FF2B5EF4-FFF2-40B4-BE49-F238E27FC236}">
+                <a16:creationId xmlns:a16="http://schemas.microsoft.com/office/drawing/2014/main" id="{03EE5D22-4CF5-4B40-93B7-74CD5C9228FA}"/>
+              </a:ext>
+            </a:extLst>
+          </p:cNvPr>
+          <p:cNvPicPr>
+            <a:picLocks noChangeAspect="1" noChangeArrowheads="1"/>
+          </p:cNvPicPr>
+          <p:nvPr/>
+        </p:nvPicPr>
+        <p:blipFill>
+          <a:blip r:embed="rId3">
+            <a:extLst>
+              <a:ext uri="{28A0092B-C50C-407E-A947-70E740481C1C}">
+                <a14:useLocalDpi xmlns:a14="http://schemas.microsoft.com/office/drawing/2010/main" val="0"/>
+              </a:ext>
+            </a:extLst>
+          </a:blip>
+          <a:srcRect/>
+          <a:stretch>
+            <a:fillRect/>
+          </a:stretch>
+        </p:blipFill>
+        <p:spPr bwMode="auto">
+          <a:xfrm>
+            <a:off x="847081" y="2431139"/>
+            <a:ext cx="10082709" cy="3953000"/>
+          </a:xfrm>
+          <a:prstGeom prst="rect">
+            <a:avLst/>
+          </a:prstGeom>
+          <a:noFill/>
+          <a:extLst>
+            <a:ext uri="{909E8E84-426E-40DD-AFC4-6F175D3DCCD1}">
+              <a14:hiddenFill xmlns:a14="http://schemas.microsoft.com/office/drawing/2010/main">
+                <a:solidFill>
+                  <a:srgbClr val="FFFFFF"/>
+                </a:solidFill>
+              </a14:hiddenFill>
+            </a:ext>
+          </a:extLst>
+        </p:spPr>
+      </p:pic>
+      <p:sp>
+        <p:nvSpPr>
+          <p:cNvPr id="3" name="Content Placeholder 2"/>
+          <p:cNvSpPr>
+            <a:spLocks noGrp="1"/>
+          </p:cNvSpPr>
+          <p:nvPr>
+            <p:ph idx="1"/>
+          </p:nvPr>
+        </p:nvSpPr>
+        <p:spPr>
+          <a:xfrm>
+            <a:off x="151465" y="1600201"/>
+            <a:ext cx="12105983" cy="5170469"/>
+          </a:xfrm>
+        </p:spPr>
+        <p:txBody>
+          <a:bodyPr>
+            <a:normAutofit/>
+          </a:bodyPr>
+          <a:lstStyle/>
+          <a:p>
+            <a:r>
+              <a:rPr lang="en-US" b="1" dirty="0"/>
+              <a:t>You are to implement Naïve Bayes classifier for sentiment analysis.</a:t>
+            </a:r>
+          </a:p>
+          <a:p>
+            <a:pPr lvl="1"/>
+            <a:r>
+              <a:rPr lang="en-US" dirty="0"/>
+              <a:t>Given a future sentence, classify it into {positive, neural, negative}</a:t>
+            </a:r>
+          </a:p>
+          <a:p>
+            <a:endParaRPr lang="en-US" b="1" dirty="0"/>
+          </a:p>
+          <a:p>
+            <a:endParaRPr lang="en-US" b="1" dirty="0"/>
+          </a:p>
+          <a:p>
+            <a:endParaRPr lang="en-US" dirty="0"/>
+          </a:p>
+          <a:p>
+            <a:pPr marL="457200" lvl="1" indent="0">
+              <a:buNone/>
+            </a:pPr>
+            <a:endParaRPr lang="en-US" dirty="0"/>
+          </a:p>
+          <a:p>
+            <a:endParaRPr lang="en-US" b="1" u="sng" dirty="0"/>
+          </a:p>
+          <a:p>
+            <a:pPr marL="0" indent="0">
+              <a:buNone/>
+            </a:pPr>
+            <a:endParaRPr lang="en-US" b="1" dirty="0"/>
+          </a:p>
+        </p:txBody>
+      </p:sp>
+      <p:sp>
+        <p:nvSpPr>
+          <p:cNvPr id="2" name="Title 1"/>
+          <p:cNvSpPr>
+            <a:spLocks noGrp="1"/>
+          </p:cNvSpPr>
+          <p:nvPr>
+            <p:ph type="title"/>
+          </p:nvPr>
+        </p:nvSpPr>
+        <p:spPr/>
+        <p:txBody>
+          <a:bodyPr/>
+          <a:lstStyle/>
+          <a:p>
+            <a:pPr algn="ctr"/>
+            <a:r>
+              <a:rPr lang="en-US" dirty="0"/>
+              <a:t>HW #3: Programming part</a:t>
+            </a:r>
+          </a:p>
+        </p:txBody>
+      </p:sp>
+      <p:sp>
+        <p:nvSpPr>
+          <p:cNvPr id="9" name="TextBox 8">
+            <a:extLst>
+              <a:ext uri="{FF2B5EF4-FFF2-40B4-BE49-F238E27FC236}">
+                <a16:creationId xmlns:a16="http://schemas.microsoft.com/office/drawing/2014/main" id="{E9719A7A-AA7A-49A6-B7FC-52A4A42A55D5}"/>
+              </a:ext>
+            </a:extLst>
+          </p:cNvPr>
+          <p:cNvSpPr txBox="1"/>
+          <p:nvPr/>
+        </p:nvSpPr>
+        <p:spPr>
+          <a:xfrm>
+            <a:off x="555559" y="6339259"/>
+            <a:ext cx="11202802" cy="523220"/>
+          </a:xfrm>
+          <a:prstGeom prst="rect">
+            <a:avLst/>
+          </a:prstGeom>
+          <a:noFill/>
+        </p:spPr>
+        <p:txBody>
+          <a:bodyPr wrap="square">
+            <a:spAutoFit/>
+          </a:bodyPr>
+          <a:lstStyle/>
+          <a:p>
+            <a:r>
+              <a:rPr lang="en-US" sz="1400" dirty="0"/>
+              <a:t>[https://www.google.com/url?sa=i&amp;url=https%3A%2F%2Fexpressanalytics.com%2Fblog%2Fsentiment-analysis%2F&amp;psig=AOvVaw3U15cCn18rmNLqtHS-vVij&amp;ust=1635486309530000&amp;source=images&amp;cd=vfe&amp;ved=0CAwQjhxqFwoTCLCBybaz7PMCFQAAAAAdAAAAABAT]</a:t>
+            </a:r>
+          </a:p>
+        </p:txBody>
+      </p:sp>
+    </p:spTree>
+    <p:extLst>
+      <p:ext uri="{BB962C8B-B14F-4D97-AF65-F5344CB8AC3E}">
+        <p14:creationId xmlns:p14="http://schemas.microsoft.com/office/powerpoint/2010/main" val="282432438"/>
+      </p:ext>
+    </p:extLst>
+  </p:cSld>
+  <p:clrMapOvr>
+    <a:masterClrMapping/>
+  </p:clrMapOvr>
+</p:sld>
+</file>
+
+<file path=ppt/slides/slide2.xml><?xml version="1.0" encoding="utf-8"?>
+<p:sld xmlns:a="http://schemas.openxmlformats.org/drawingml/2006/main" xmlns:r="http://schemas.openxmlformats.org/officeDocument/2006/relationships" xmlns:p="http://schemas.openxmlformats.org/presentationml/2006/main">
+  <p:cSld>
+    <p:spTree>
+      <p:nvGrpSpPr>
+        <p:cNvPr id="1" name=""/>
+        <p:cNvGrpSpPr/>
+        <p:nvPr/>
+      </p:nvGrpSpPr>
+      <p:grpSpPr>
+        <a:xfrm>
+          <a:off x="0" y="0"/>
+          <a:ext cx="0" cy="0"/>
+          <a:chOff x="0" y="0"/>
+          <a:chExt cx="0" cy="0"/>
+        </a:xfrm>
+      </p:grpSpPr>
       <p:sp>
         <p:nvSpPr>
           <p:cNvPr id="2" name="Title 1"/>
@@ -2070,7 +2296,7 @@
             <a:pPr lvl="1"/>
             <a:r>
               <a:rPr lang="en-US" dirty="0"/>
-              <a:t>You can extract the m-th work of the n-th sentence by </a:t>
+              <a:t>You can extract the m-th word of the n-th sentence by </a:t>
             </a:r>
             <a:r>
               <a:rPr lang="en-US" dirty="0">
@@ -2136,7 +2362,7 @@
     </p:spTree>
     <p:extLst>
       <p:ext uri="{BB962C8B-B14F-4D97-AF65-F5344CB8AC3E}">
-        <p14:creationId xmlns:p14="http://schemas.microsoft.com/office/powerpoint/2010/main" val="282432438"/>
+        <p14:creationId xmlns:p14="http://schemas.microsoft.com/office/powerpoint/2010/main" val="2278569133"/>
       </p:ext>
     </p:extLst>
   </p:cSld>
@@ -2146,7 +2372,7 @@
 </p:sld>
 </file>
 
-<file path=ppt/slides/slide2.xml><?xml version="1.0" encoding="utf-8"?>
+<file path=ppt/slides/slide3.xml><?xml version="1.0" encoding="utf-8"?>
 <p:sld xmlns:a="http://schemas.openxmlformats.org/drawingml/2006/main" xmlns:r="http://schemas.openxmlformats.org/officeDocument/2006/relationships" xmlns:p="http://schemas.openxmlformats.org/presentationml/2006/main">
   <p:cSld>
     <p:spTree>
@@ -2233,7 +2459,7 @@
                 <a:pPr lvl="1"/>
                 <a:r>
                   <a:rPr lang="en-US" dirty="0"/>
-                  <a:t>Since the sentences may have variable lengths (different number of words), you have to first represent each sentence training_set[n] by a D-dimensional binary vector, where D is the dictionary size.</a:t>
+                  <a:t>Since the sentences may have variable lengths (different number of words), you must first represent each sentence training_set[n] by a D-dimensional binary vector, where D is the dictionary size.</a:t>
                 </a:r>
               </a:p>
               <a:p>
@@ -2261,7 +2487,7 @@
                       <a:srgbClr val="FF0000"/>
                     </a:solidFill>
                   </a:rPr>
-                  <a:t>Unlike our BoW lectures, you will represent training_set[n] by a binary vector </a:t>
+                  <a:t>Unlike our BoW lectures, you will represent each sentence training_set[n] by a binary vector </a:t>
                 </a:r>
                 <a14:m>
                   <m:oMath xmlns:m="http://schemas.openxmlformats.org/officeDocument/2006/math">
@@ -2650,7 +2876,7 @@
 </p:sld>
 </file>
 
-<file path=ppt/slides/slide3.xml><?xml version="1.0" encoding="utf-8"?>
+<file path=ppt/slides/slide4.xml><?xml version="1.0" encoding="utf-8"?>
 <p:sld xmlns:a="http://schemas.openxmlformats.org/drawingml/2006/main" xmlns:r="http://schemas.openxmlformats.org/officeDocument/2006/relationships" xmlns:p="http://schemas.openxmlformats.org/presentationml/2006/main">
   <p:cSld>
     <p:spTree>
@@ -2696,8 +2922,8 @@
           </a:p>
         </p:txBody>
       </p:sp>
-      <mc:AlternateContent xmlns:mc="http://schemas.openxmlformats.org/markup-compatibility/2006">
-        <mc:Choice xmlns:a14="http://schemas.microsoft.com/office/drawing/2010/main" Requires="a14">
+      <mc:AlternateContent xmlns:mc="http://schemas.openxmlformats.org/markup-compatibility/2006" xmlns:a14="http://schemas.microsoft.com/office/drawing/2010/main">
+        <mc:Choice Requires="a14">
           <p:sp>
             <p:nvSpPr>
               <p:cNvPr id="3" name="Content Placeholder 2">
@@ -3357,7 +3583,7 @@
             </p:txBody>
           </p:sp>
         </mc:Choice>
-        <mc:Fallback>
+        <mc:Fallback xmlns="">
           <p:sp>
             <p:nvSpPr>
               <p:cNvPr id="3" name="Content Placeholder 2">
@@ -3414,7 +3640,7 @@
 </p:sld>
 </file>
 
-<file path=ppt/slides/slide4.xml><?xml version="1.0" encoding="utf-8"?>
+<file path=ppt/slides/slide5.xml><?xml version="1.0" encoding="utf-8"?>
 <p:sld xmlns:a="http://schemas.openxmlformats.org/drawingml/2006/main" xmlns:r="http://schemas.openxmlformats.org/officeDocument/2006/relationships" xmlns:p="http://schemas.openxmlformats.org/presentationml/2006/main">
   <p:cSld>
     <p:spTree>
@@ -3481,7 +3707,7 @@
             <p:spPr>
               <a:xfrm>
                 <a:off x="294640" y="1612906"/>
-                <a:ext cx="11897360" cy="4564057"/>
+                <a:ext cx="11897360" cy="4991094"/>
               </a:xfrm>
             </p:spPr>
             <p:txBody>
@@ -4248,6 +4474,10 @@
                     </m:nary>
                   </m:oMath>
                 </a14:m>
+                <a:endParaRPr lang="en-US" dirty="0"/>
+              </a:p>
+              <a:p>
+                <a:pPr lvl="1"/>
                 <a:endParaRPr lang="en-US" dirty="0"/>
               </a:p>
               <a:p>
@@ -4571,8 +4801,13 @@
                 <a:pPr lvl="1"/>
                 <a:r>
                   <a:rPr lang="en-US" dirty="0"/>
-                  <a:t>Note that, given a test/future sentence, you have to first represent it as a binary BoW vector</a:t>
+                  <a:t>Note that, given a test/future sentence, you must first represent it as a binary </a:t>
                 </a:r>
+                <a:r>
+                  <a:rPr lang="en-US"/>
+                  <a:t>BoW vector.</a:t>
+                </a:r>
+                <a:endParaRPr lang="en-US" dirty="0"/>
               </a:p>
               <a:p>
                 <a:endParaRPr lang="en-US" dirty="0"/>
@@ -4600,12 +4835,12 @@
             <p:spPr>
               <a:xfrm>
                 <a:off x="294640" y="1612906"/>
-                <a:ext cx="11897360" cy="4564057"/>
+                <a:ext cx="11897360" cy="4991094"/>
               </a:xfrm>
               <a:blipFill>
                 <a:blip r:embed="rId2"/>
                 <a:stretch>
-                  <a:fillRect l="-922" t="-2273" b="-2807"/>
+                  <a:fillRect l="-922" t="-2078" b="-1834"/>
                 </a:stretch>
               </a:blipFill>
             </p:spPr>

--- a/HW_3_Programming_Set/HW_3_Porgramming/HW_3_How_To.pptx
+++ b/HW_3_Programming_Set/HW_3_Porgramming/HW_3_How_To.pptx
@@ -213,7 +213,7 @@
           <a:p>
             <a:fld id="{C7A000EA-C57E-F640-BE40-9E4845CF53EF}" type="datetimeFigureOut">
               <a:rPr lang="en-US" smtClean="0"/>
-              <a:t>10/28/2021</a:t>
+              <a:t>11/7/2021</a:t>
             </a:fld>
             <a:endParaRPr lang="en-US"/>
           </a:p>
@@ -2465,12 +2465,20 @@
               <a:p>
                 <a:pPr lvl="1"/>
                 <a:r>
-                  <a:rPr lang="en-US" b="1" dirty="0"/>
+                  <a:rPr lang="en-US" b="1" dirty="0">
+                    <a:solidFill>
+                      <a:srgbClr val="FF0000"/>
+                    </a:solidFill>
+                  </a:rPr>
                   <a:t>self.V: </a:t>
                 </a:r>
                 <a:r>
-                  <a:rPr lang="en-US" dirty="0"/>
-                  <a:t>the dictionary with D unique words.</a:t>
+                  <a:rPr lang="en-US" dirty="0">
+                    <a:solidFill>
+                      <a:srgbClr val="FF0000"/>
+                    </a:solidFill>
+                  </a:rPr>
+                  <a:t>the dictionary (a Python data structure) with D unique words. You will use it in both training and testing. You can get the index of a unique word by index = self.V[word]</a:t>
                 </a:r>
               </a:p>
               <a:p>
@@ -3686,8 +3694,8 @@
           </a:p>
         </p:txBody>
       </p:sp>
-      <mc:AlternateContent xmlns:mc="http://schemas.openxmlformats.org/markup-compatibility/2006">
-        <mc:Choice xmlns:a14="http://schemas.microsoft.com/office/drawing/2010/main" Requires="a14">
+      <mc:AlternateContent xmlns:mc="http://schemas.openxmlformats.org/markup-compatibility/2006" xmlns:a14="http://schemas.microsoft.com/office/drawing/2010/main">
+        <mc:Choice Requires="a14">
           <p:sp>
             <p:nvSpPr>
               <p:cNvPr id="3" name="Content Placeholder 2">
@@ -4815,7 +4823,7 @@
             </p:txBody>
           </p:sp>
         </mc:Choice>
-        <mc:Fallback>
+        <mc:Fallback xmlns="">
           <p:sp>
             <p:nvSpPr>
               <p:cNvPr id="3" name="Content Placeholder 2">
